--- a/Buborékrendezés.pptx
+++ b/Buborékrendezés.pptx
@@ -308,7 +308,7 @@
             <a:fld id="{B61BEF0D-F0BB-DE4B-95CE-6DB70DBA9567}" type="datetimeFigureOut">
               <a:rPr lang="en-US" dirty="0"/>
               <a:pPr/>
-              <a:t>9/9/2022</a:t>
+              <a:t>9/30/2022</a:t>
             </a:fld>
             <a:endParaRPr lang="en-US" dirty="0"/>
           </a:p>
@@ -741,7 +741,7 @@
             <a:fld id="{B61BEF0D-F0BB-DE4B-95CE-6DB70DBA9567}" type="datetimeFigureOut">
               <a:rPr lang="en-US" dirty="0"/>
               <a:pPr/>
-              <a:t>9/9/2022</a:t>
+              <a:t>9/30/2022</a:t>
             </a:fld>
             <a:endParaRPr lang="en-US" dirty="0"/>
           </a:p>
@@ -988,7 +988,7 @@
             <a:fld id="{B61BEF0D-F0BB-DE4B-95CE-6DB70DBA9567}" type="datetimeFigureOut">
               <a:rPr lang="en-US" dirty="0"/>
               <a:pPr/>
-              <a:t>9/9/2022</a:t>
+              <a:t>9/30/2022</a:t>
             </a:fld>
             <a:endParaRPr lang="en-US" dirty="0"/>
           </a:p>
@@ -1293,7 +1293,7 @@
             <a:fld id="{B61BEF0D-F0BB-DE4B-95CE-6DB70DBA9567}" type="datetimeFigureOut">
               <a:rPr lang="en-US" dirty="0"/>
               <a:pPr/>
-              <a:t>9/9/2022</a:t>
+              <a:t>9/30/2022</a:t>
             </a:fld>
             <a:endParaRPr lang="en-US" dirty="0"/>
           </a:p>
@@ -1608,7 +1608,7 @@
             <a:fld id="{B61BEF0D-F0BB-DE4B-95CE-6DB70DBA9567}" type="datetimeFigureOut">
               <a:rPr lang="en-US" dirty="0"/>
               <a:pPr/>
-              <a:t>9/9/2022</a:t>
+              <a:t>9/30/2022</a:t>
             </a:fld>
             <a:endParaRPr lang="en-US" dirty="0"/>
           </a:p>
@@ -1907,7 +1907,7 @@
             <a:fld id="{B61BEF0D-F0BB-DE4B-95CE-6DB70DBA9567}" type="datetimeFigureOut">
               <a:rPr lang="en-US" dirty="0"/>
               <a:pPr/>
-              <a:t>9/9/2022</a:t>
+              <a:t>9/30/2022</a:t>
             </a:fld>
             <a:endParaRPr lang="en-US" dirty="0"/>
           </a:p>
@@ -2271,7 +2271,7 @@
             <a:fld id="{B61BEF0D-F0BB-DE4B-95CE-6DB70DBA9567}" type="datetimeFigureOut">
               <a:rPr lang="en-US" dirty="0"/>
               <a:pPr/>
-              <a:t>9/9/2022</a:t>
+              <a:t>9/30/2022</a:t>
             </a:fld>
             <a:endParaRPr lang="en-US" dirty="0"/>
           </a:p>
@@ -2442,7 +2442,7 @@
             <a:fld id="{B61BEF0D-F0BB-DE4B-95CE-6DB70DBA9567}" type="datetimeFigureOut">
               <a:rPr lang="en-US" dirty="0"/>
               <a:pPr/>
-              <a:t>9/9/2022</a:t>
+              <a:t>9/30/2022</a:t>
             </a:fld>
             <a:endParaRPr lang="en-US" dirty="0"/>
           </a:p>
@@ -2619,7 +2619,7 @@
             <a:fld id="{B61BEF0D-F0BB-DE4B-95CE-6DB70DBA9567}" type="datetimeFigureOut">
               <a:rPr lang="en-US" dirty="0"/>
               <a:pPr/>
-              <a:t>9/9/2022</a:t>
+              <a:t>9/30/2022</a:t>
             </a:fld>
             <a:endParaRPr lang="en-US" dirty="0"/>
           </a:p>
@@ -2786,7 +2786,7 @@
             <a:fld id="{B61BEF0D-F0BB-DE4B-95CE-6DB70DBA9567}" type="datetimeFigureOut">
               <a:rPr lang="en-US" dirty="0"/>
               <a:pPr/>
-              <a:t>9/9/2022</a:t>
+              <a:t>9/30/2022</a:t>
             </a:fld>
             <a:endParaRPr lang="en-US" dirty="0"/>
           </a:p>
@@ -3033,7 +3033,7 @@
             <a:fld id="{B61BEF0D-F0BB-DE4B-95CE-6DB70DBA9567}" type="datetimeFigureOut">
               <a:rPr lang="en-US" dirty="0"/>
               <a:pPr/>
-              <a:t>9/9/2022</a:t>
+              <a:t>9/30/2022</a:t>
             </a:fld>
             <a:endParaRPr lang="en-US" dirty="0"/>
           </a:p>
@@ -3266,7 +3266,7 @@
             <a:fld id="{B61BEF0D-F0BB-DE4B-95CE-6DB70DBA9567}" type="datetimeFigureOut">
               <a:rPr lang="en-US" dirty="0"/>
               <a:pPr/>
-              <a:t>9/9/2022</a:t>
+              <a:t>9/30/2022</a:t>
             </a:fld>
             <a:endParaRPr lang="en-US" dirty="0"/>
           </a:p>
@@ -3645,7 +3645,7 @@
             <a:fld id="{B61BEF0D-F0BB-DE4B-95CE-6DB70DBA9567}" type="datetimeFigureOut">
               <a:rPr lang="en-US" dirty="0"/>
               <a:pPr/>
-              <a:t>9/9/2022</a:t>
+              <a:t>9/30/2022</a:t>
             </a:fld>
             <a:endParaRPr lang="en-US" dirty="0"/>
           </a:p>
@@ -3760,7 +3760,7 @@
             <a:fld id="{B61BEF0D-F0BB-DE4B-95CE-6DB70DBA9567}" type="datetimeFigureOut">
               <a:rPr lang="en-US" dirty="0"/>
               <a:pPr/>
-              <a:t>9/9/2022</a:t>
+              <a:t>9/30/2022</a:t>
             </a:fld>
             <a:endParaRPr lang="en-US" dirty="0"/>
           </a:p>
@@ -3852,7 +3852,7 @@
             <a:fld id="{B61BEF0D-F0BB-DE4B-95CE-6DB70DBA9567}" type="datetimeFigureOut">
               <a:rPr lang="en-US" dirty="0"/>
               <a:pPr/>
-              <a:t>9/9/2022</a:t>
+              <a:t>9/30/2022</a:t>
             </a:fld>
             <a:endParaRPr lang="en-US" dirty="0"/>
           </a:p>
@@ -4104,7 +4104,7 @@
             <a:fld id="{B61BEF0D-F0BB-DE4B-95CE-6DB70DBA9567}" type="datetimeFigureOut">
               <a:rPr lang="en-US" dirty="0"/>
               <a:pPr/>
-              <a:t>9/9/2022</a:t>
+              <a:t>9/30/2022</a:t>
             </a:fld>
             <a:endParaRPr lang="en-US" dirty="0"/>
           </a:p>
@@ -4384,7 +4384,7 @@
             <a:fld id="{B61BEF0D-F0BB-DE4B-95CE-6DB70DBA9567}" type="datetimeFigureOut">
               <a:rPr lang="en-US" dirty="0"/>
               <a:pPr/>
-              <a:t>9/9/2022</a:t>
+              <a:t>9/30/2022</a:t>
             </a:fld>
             <a:endParaRPr lang="en-US" dirty="0"/>
           </a:p>
@@ -4787,7 +4787,7 @@
             <a:fld id="{B61BEF0D-F0BB-DE4B-95CE-6DB70DBA9567}" type="datetimeFigureOut">
               <a:rPr lang="en-US" dirty="0"/>
               <a:pPr/>
-              <a:t>9/9/2022</a:t>
+              <a:t>9/30/2022</a:t>
             </a:fld>
             <a:endParaRPr lang="en-US" dirty="0"/>
           </a:p>
@@ -5527,13 +5527,7 @@
             </a:r>
             <a:r>
               <a:rPr lang="hu-HU" dirty="0"/>
-              <a:t> sort) egy naiv algoritmus, amellyel egy véges (nem feltétlenül numerikus) sorozat – vagy számítástechnikai szóhasználattal </a:t>
-            </a:r>
-          </a:p>
-          <a:p>
-            <a:r>
-              <a:rPr lang="hu-HU" dirty="0"/>
-              <a:t>élve egy tömb – elemei sorba rendezhetők.</a:t>
+              <a:t> sort) egy naiv algoritmus, amellyel egy véges (nem feltétlenül numerikus) sorozat – vagy számítástechnikai szóhasználattal élve egy tömb – elemei sorba rendezhetők.</a:t>
             </a:r>
           </a:p>
           <a:p>
